--- a/Blazor-Links.pptx
+++ b/Blazor-Links.pptx
@@ -107,7 +107,41 @@
       </a:defRPr>
     </a:lvl9pPr>
   </p:defaultTextStyle>
+  <p:extLst>
+    <p:ext uri="{EFAFB233-063F-42B5-8137-9DF3F51BA10A}">
+      <p15:sldGuideLst xmlns:p15="http://schemas.microsoft.com/office/powerpoint/2012/main"/>
+    </p:ext>
+  </p:extLst>
 </p:presentation>
+</file>
+
+<file path=ppt/changesInfos/changesInfo1.xml><?xml version="1.0" encoding="utf-8"?>
+<pc:chgInfo xmlns:a="http://schemas.openxmlformats.org/drawingml/2006/main" xmlns:r="http://schemas.openxmlformats.org/officeDocument/2006/relationships" xmlns:ac="http://schemas.microsoft.com/office/drawing/2013/main/command" xmlns:pc="http://schemas.microsoft.com/office/powerpoint/2013/main/command">
+  <pc:docChgLst>
+    <pc:chgData name="Jussi Virkkala" userId="ee2e9d07c907016a" providerId="LiveId" clId="{CD7D0B7E-2FA8-4A86-B0B9-CA6D8117FF7B}"/>
+    <pc:docChg chg="modSld">
+      <pc:chgData name="Jussi Virkkala" userId="ee2e9d07c907016a" providerId="LiveId" clId="{CD7D0B7E-2FA8-4A86-B0B9-CA6D8117FF7B}" dt="2023-08-10T17:26:42.370" v="0" actId="207"/>
+      <pc:docMkLst>
+        <pc:docMk/>
+      </pc:docMkLst>
+      <pc:sldChg chg="modSp mod">
+        <pc:chgData name="Jussi Virkkala" userId="ee2e9d07c907016a" providerId="LiveId" clId="{CD7D0B7E-2FA8-4A86-B0B9-CA6D8117FF7B}" dt="2023-08-10T17:26:42.370" v="0" actId="207"/>
+        <pc:sldMkLst>
+          <pc:docMk/>
+          <pc:sldMk cId="3047803608" sldId="256"/>
+        </pc:sldMkLst>
+        <pc:spChg chg="mod">
+          <ac:chgData name="Jussi Virkkala" userId="ee2e9d07c907016a" providerId="LiveId" clId="{CD7D0B7E-2FA8-4A86-B0B9-CA6D8117FF7B}" dt="2023-08-10T17:26:42.370" v="0" actId="207"/>
+          <ac:spMkLst>
+            <pc:docMk/>
+            <pc:sldMk cId="3047803608" sldId="256"/>
+            <ac:spMk id="4" creationId="{F700377A-EF02-DE05-7A88-F7680B2B0D2C}"/>
+          </ac:spMkLst>
+        </pc:spChg>
+      </pc:sldChg>
+    </pc:docChg>
+  </pc:docChgLst>
+</pc:chgInfo>
 </file>
 
 <file path=ppt/notesMasters/notesMaster1.xml><?xml version="1.0" encoding="utf-8"?>
@@ -192,7 +226,7 @@
           <a:p>
             <a:fld id="{809994D6-DA76-4539-BEC1-1E4C077A072B}" type="datetimeFigureOut">
               <a:rPr lang="fi-FI" smtClean="0"/>
-              <a:t>6.8.2023</a:t>
+              <a:t>10.8.2023</a:t>
             </a:fld>
             <a:endParaRPr lang="fi-FI"/>
           </a:p>
@@ -685,7 +719,7 @@
           <a:p>
             <a:fld id="{59D14F75-EABF-4568-A67F-4DA109400F2C}" type="datetimeFigureOut">
               <a:rPr lang="fi-FI" smtClean="0"/>
-              <a:t>6.8.2023</a:t>
+              <a:t>10.8.2023</a:t>
             </a:fld>
             <a:endParaRPr lang="fi-FI"/>
           </a:p>
@@ -855,7 +889,7 @@
           <a:p>
             <a:fld id="{59D14F75-EABF-4568-A67F-4DA109400F2C}" type="datetimeFigureOut">
               <a:rPr lang="fi-FI" smtClean="0"/>
-              <a:t>6.8.2023</a:t>
+              <a:t>10.8.2023</a:t>
             </a:fld>
             <a:endParaRPr lang="fi-FI"/>
           </a:p>
@@ -1035,7 +1069,7 @@
           <a:p>
             <a:fld id="{59D14F75-EABF-4568-A67F-4DA109400F2C}" type="datetimeFigureOut">
               <a:rPr lang="fi-FI" smtClean="0"/>
-              <a:t>6.8.2023</a:t>
+              <a:t>10.8.2023</a:t>
             </a:fld>
             <a:endParaRPr lang="fi-FI"/>
           </a:p>
@@ -1205,7 +1239,7 @@
           <a:p>
             <a:fld id="{59D14F75-EABF-4568-A67F-4DA109400F2C}" type="datetimeFigureOut">
               <a:rPr lang="fi-FI" smtClean="0"/>
-              <a:t>6.8.2023</a:t>
+              <a:t>10.8.2023</a:t>
             </a:fld>
             <a:endParaRPr lang="fi-FI"/>
           </a:p>
@@ -1449,7 +1483,7 @@
           <a:p>
             <a:fld id="{59D14F75-EABF-4568-A67F-4DA109400F2C}" type="datetimeFigureOut">
               <a:rPr lang="fi-FI" smtClean="0"/>
-              <a:t>6.8.2023</a:t>
+              <a:t>10.8.2023</a:t>
             </a:fld>
             <a:endParaRPr lang="fi-FI"/>
           </a:p>
@@ -1681,7 +1715,7 @@
           <a:p>
             <a:fld id="{59D14F75-EABF-4568-A67F-4DA109400F2C}" type="datetimeFigureOut">
               <a:rPr lang="fi-FI" smtClean="0"/>
-              <a:t>6.8.2023</a:t>
+              <a:t>10.8.2023</a:t>
             </a:fld>
             <a:endParaRPr lang="fi-FI"/>
           </a:p>
@@ -2048,7 +2082,7 @@
           <a:p>
             <a:fld id="{59D14F75-EABF-4568-A67F-4DA109400F2C}" type="datetimeFigureOut">
               <a:rPr lang="fi-FI" smtClean="0"/>
-              <a:t>6.8.2023</a:t>
+              <a:t>10.8.2023</a:t>
             </a:fld>
             <a:endParaRPr lang="fi-FI"/>
           </a:p>
@@ -2166,7 +2200,7 @@
           <a:p>
             <a:fld id="{59D14F75-EABF-4568-A67F-4DA109400F2C}" type="datetimeFigureOut">
               <a:rPr lang="fi-FI" smtClean="0"/>
-              <a:t>6.8.2023</a:t>
+              <a:t>10.8.2023</a:t>
             </a:fld>
             <a:endParaRPr lang="fi-FI"/>
           </a:p>
@@ -2261,7 +2295,7 @@
           <a:p>
             <a:fld id="{59D14F75-EABF-4568-A67F-4DA109400F2C}" type="datetimeFigureOut">
               <a:rPr lang="fi-FI" smtClean="0"/>
-              <a:t>6.8.2023</a:t>
+              <a:t>10.8.2023</a:t>
             </a:fld>
             <a:endParaRPr lang="fi-FI"/>
           </a:p>
@@ -2538,7 +2572,7 @@
           <a:p>
             <a:fld id="{59D14F75-EABF-4568-A67F-4DA109400F2C}" type="datetimeFigureOut">
               <a:rPr lang="fi-FI" smtClean="0"/>
-              <a:t>6.8.2023</a:t>
+              <a:t>10.8.2023</a:t>
             </a:fld>
             <a:endParaRPr lang="fi-FI"/>
           </a:p>
@@ -2795,7 +2829,7 @@
           <a:p>
             <a:fld id="{59D14F75-EABF-4568-A67F-4DA109400F2C}" type="datetimeFigureOut">
               <a:rPr lang="fi-FI" smtClean="0"/>
-              <a:t>6.8.2023</a:t>
+              <a:t>10.8.2023</a:t>
             </a:fld>
             <a:endParaRPr lang="fi-FI"/>
           </a:p>
@@ -3008,7 +3042,7 @@
           <a:p>
             <a:fld id="{59D14F75-EABF-4568-A67F-4DA109400F2C}" type="datetimeFigureOut">
               <a:rPr lang="fi-FI" smtClean="0"/>
-              <a:t>6.8.2023</a:t>
+              <a:t>10.8.2023</a:t>
             </a:fld>
             <a:endParaRPr lang="fi-FI"/>
           </a:p>
@@ -3445,6 +3479,9 @@
             <a:r>
               <a:rPr lang="fi-FI" sz="13545" dirty="0" err="1">
                 <a:ln w="0"/>
+                <a:solidFill>
+                  <a:srgbClr val="FF0000"/>
+                </a:solidFill>
                 <a:effectLst>
                   <a:outerShdw blurRad="38100" dist="19050" dir="2700000" algn="tl" rotWithShape="0">
                     <a:schemeClr val="dk1">
@@ -3458,6 +3495,9 @@
             <a:r>
               <a:rPr lang="fi-FI" sz="13545" dirty="0">
                 <a:ln w="0"/>
+                <a:solidFill>
+                  <a:srgbClr val="FF0000"/>
+                </a:solidFill>
                 <a:effectLst>
                   <a:outerShdw blurRad="38100" dist="19050" dir="2700000" algn="tl" rotWithShape="0">
                     <a:schemeClr val="dk1">
@@ -3471,6 +3511,9 @@
             <a:r>
               <a:rPr lang="fi-FI" sz="13545" dirty="0" err="1">
                 <a:ln w="0"/>
+                <a:solidFill>
+                  <a:srgbClr val="FF0000"/>
+                </a:solidFill>
                 <a:effectLst>
                   <a:outerShdw blurRad="38100" dist="19050" dir="2700000" algn="tl" rotWithShape="0">
                     <a:schemeClr val="dk1">
@@ -3483,6 +3526,9 @@
             </a:r>
             <a:endParaRPr lang="fi-FI" sz="13545" dirty="0">
               <a:ln w="0"/>
+              <a:solidFill>
+                <a:srgbClr val="FF0000"/>
+              </a:solidFill>
               <a:effectLst>
                 <a:outerShdw blurRad="38100" dist="19050" dir="2700000" algn="tl" rotWithShape="0">
                   <a:schemeClr val="dk1">
